--- a/Impact/Contract Classifier - Product Suite.pptx
+++ b/Impact/Contract Classifier - Product Suite.pptx
@@ -497,7 +497,7 @@
           <a:p>
             <a:fld id="{5E7AA473-D82F-4EFF-9DF7-AE6D83C51288}" type="datetime1">
               <a:rPr lang="en-US" smtClean="0"/>
-              <a:t>9/4/2022</a:t>
+              <a:t>11/3/2022</a:t>
             </a:fld>
             <a:endParaRPr lang="en-US"/>
           </a:p>
@@ -791,7 +791,7 @@
           <a:p>
             <a:fld id="{1E12F1F0-FE2D-4C1C-B320-8CB9BE735F0F}" type="datetime1">
               <a:rPr lang="en-US" smtClean="0"/>
-              <a:t>9/4/2022</a:t>
+              <a:t>11/3/2022</a:t>
             </a:fld>
             <a:endParaRPr lang="en-US"/>
           </a:p>
@@ -1089,7 +1089,7 @@
           <a:p>
             <a:fld id="{2CF1B96C-10FD-4EBC-9029-9652B7535D02}" type="datetime1">
               <a:rPr lang="en-US" smtClean="0"/>
-              <a:t>9/4/2022</a:t>
+              <a:t>11/3/2022</a:t>
             </a:fld>
             <a:endParaRPr lang="en-US"/>
           </a:p>
@@ -1413,7 +1413,7 @@
           <a:p>
             <a:fld id="{14878474-CC00-4A95-9D50-A41C12D1EEC4}" type="datetime1">
               <a:rPr lang="en-US" smtClean="0"/>
-              <a:t>9/4/2022</a:t>
+              <a:t>11/3/2022</a:t>
             </a:fld>
             <a:endParaRPr lang="en-US"/>
           </a:p>
@@ -1721,7 +1721,7 @@
           <a:p>
             <a:fld id="{7F38C8B4-7FBB-408F-BDB9-F0496874AFB2}" type="datetime1">
               <a:rPr lang="en-US" smtClean="0"/>
-              <a:t>9/4/2022</a:t>
+              <a:t>11/3/2022</a:t>
             </a:fld>
             <a:endParaRPr lang="en-US"/>
           </a:p>
@@ -2026,7 +2026,7 @@
           <a:p>
             <a:fld id="{2BB8EE20-A5E2-47D3-8F6D-A2BA7AB2E093}" type="datetime1">
               <a:rPr lang="en-US" smtClean="0"/>
-              <a:t>9/4/2022</a:t>
+              <a:t>11/3/2022</a:t>
             </a:fld>
             <a:endParaRPr lang="en-US"/>
           </a:p>
@@ -2618,7 +2618,7 @@
           <a:p>
             <a:fld id="{3382CF99-132F-413F-B7EF-71A5C33F2ED6}" type="datetime1">
               <a:rPr lang="en-US" smtClean="0"/>
-              <a:t>9/4/2022</a:t>
+              <a:t>11/3/2022</a:t>
             </a:fld>
             <a:endParaRPr lang="en-US"/>
           </a:p>
@@ -2792,7 +2792,7 @@
           <a:p>
             <a:fld id="{1F17AE06-98E0-4D9F-A059-92C3548821BB}" type="datetime1">
               <a:rPr lang="en-US" smtClean="0"/>
-              <a:t>9/4/2022</a:t>
+              <a:t>11/3/2022</a:t>
             </a:fld>
             <a:endParaRPr lang="en-US"/>
           </a:p>
@@ -2929,7 +2929,7 @@
           <a:p>
             <a:fld id="{FFBA00CA-3DDC-4705-B840-978EF5EA0707}" type="datetime1">
               <a:rPr lang="en-US" smtClean="0"/>
-              <a:t>9/4/2022</a:t>
+              <a:t>11/3/2022</a:t>
             </a:fld>
             <a:endParaRPr lang="en-US"/>
           </a:p>
@@ -3281,7 +3281,7 @@
           <a:p>
             <a:fld id="{FC366D49-0BBA-4C5A-AD96-6448CA63451A}" type="datetime1">
               <a:rPr lang="en-US" smtClean="0"/>
-              <a:t>9/4/2022</a:t>
+              <a:t>11/3/2022</a:t>
             </a:fld>
             <a:endParaRPr lang="en-US"/>
           </a:p>
@@ -3611,7 +3611,7 @@
           <a:p>
             <a:fld id="{4F4EB293-A316-472D-A8B4-6947CF1A12B7}" type="datetime1">
               <a:rPr lang="en-US" smtClean="0"/>
-              <a:t>9/4/2022</a:t>
+              <a:t>11/3/2022</a:t>
             </a:fld>
             <a:endParaRPr lang="en-US"/>
           </a:p>
